--- a/docs/modulos/08-slam/slides.pptx
+++ b/docs/modulos/08-slam/slides.pptx
@@ -230,7 +230,7 @@
             </a:pPr>
             <a:fld id="{B135B115-1922-E344-A9C2-EFDCDFF4A60C}" type="datetimeFigureOut">
               <a:rPr lang="en-US"/>
-              <a:t>03-Nov-24</a:t>
+              <a:t>22-Oct-25</a:t>
             </a:fld>
             <a:endParaRPr lang="en-US"/>
           </a:p>
@@ -561,7 +561,7 @@
             </a:pPr>
             <a:fld id="{9D3A6509-23EB-4B44-A528-7D90D9904DC9}" type="datetime1">
               <a:rPr lang="en-US"/>
-              <a:t>03-Nov-24</a:t>
+              <a:t>22-Oct-25</a:t>
             </a:fld>
             <a:endParaRPr lang="en-US"/>
           </a:p>
@@ -1118,7 +1118,7 @@
             </a:pPr>
             <a:fld id="{9D3A6509-23EB-4B44-A528-7D90D9904DC9}" type="datetime1">
               <a:rPr lang="en-US"/>
-              <a:t>03-Nov-24</a:t>
+              <a:t>22-Oct-25</a:t>
             </a:fld>
             <a:endParaRPr lang="en-US"/>
           </a:p>
@@ -1642,7 +1642,7 @@
             </a:pPr>
             <a:fld id="{9D3A6509-23EB-4B44-A528-7D90D9904DC9}" type="datetime1">
               <a:rPr lang="en-US"/>
-              <a:t>03-Nov-24</a:t>
+              <a:t>22-Oct-25</a:t>
             </a:fld>
             <a:endParaRPr lang="en-US"/>
           </a:p>
@@ -2020,7 +2020,7 @@
             </a:pPr>
             <a:fld id="{9D3A6509-23EB-4B44-A528-7D90D9904DC9}" type="datetime1">
               <a:rPr lang="en-US"/>
-              <a:t>03-Nov-24</a:t>
+              <a:t>22-Oct-25</a:t>
             </a:fld>
             <a:endParaRPr lang="en-US"/>
           </a:p>
@@ -2585,7 +2585,7 @@
             </a:pPr>
             <a:fld id="{9D3A6509-23EB-4B44-A528-7D90D9904DC9}" type="datetime1">
               <a:rPr lang="en-US"/>
-              <a:t>03-Nov-24</a:t>
+              <a:t>22-Oct-25</a:t>
             </a:fld>
             <a:endParaRPr lang="en-US"/>
           </a:p>
@@ -2877,7 +2877,7 @@
             </a:pPr>
             <a:fld id="{9D3A6509-23EB-4B44-A528-7D90D9904DC9}" type="datetime1">
               <a:rPr lang="en-US"/>
-              <a:t>03-Nov-24</a:t>
+              <a:t>22-Oct-25</a:t>
             </a:fld>
             <a:endParaRPr lang="en-US"/>
           </a:p>
@@ -11810,36 +11810,87 @@
           </a:p>
         </p:txBody>
       </p:sp>
-      <p:pic>
-        <p:nvPicPr>
-          <p:cNvPr id="6" name="Imagem 5">
-            <a:extLst>
-              <a:ext uri="{FF2B5EF4-FFF2-40B4-BE49-F238E27FC236}">
-                <a16:creationId xmlns:a16="http://schemas.microsoft.com/office/drawing/2014/main" id="{7B5EC980-2358-5880-8DC6-35F16FBC1429}"/>
-              </a:ext>
-            </a:extLst>
-          </p:cNvPr>
-          <p:cNvPicPr>
-            <a:picLocks noChangeAspect="1"/>
-          </p:cNvPicPr>
-          <p:nvPr/>
-        </p:nvPicPr>
-        <p:blipFill>
-          <a:blip r:embed="rId4"/>
-          <a:stretch>
-            <a:fillRect/>
-          </a:stretch>
-        </p:blipFill>
-        <p:spPr>
-          <a:xfrm>
-            <a:off x="2495599" y="2415376"/>
-            <a:ext cx="7087589" cy="2962688"/>
-          </a:xfrm>
-          <a:prstGeom prst="rect">
-            <a:avLst/>
-          </a:prstGeom>
-        </p:spPr>
-      </p:pic>
+      <p:grpSp>
+        <p:nvGrpSpPr>
+          <p:cNvPr id="37" name="Agrupar 36">
+            <a:extLst>
+              <a:ext uri="{FF2B5EF4-FFF2-40B4-BE49-F238E27FC236}">
+                <a16:creationId xmlns:a16="http://schemas.microsoft.com/office/drawing/2014/main" id="{3A76033E-DDAB-1309-78BC-78012F140338}"/>
+              </a:ext>
+            </a:extLst>
+          </p:cNvPr>
+          <p:cNvGrpSpPr/>
+          <p:nvPr/>
+        </p:nvGrpSpPr>
+        <p:grpSpPr>
+          <a:xfrm>
+            <a:off x="2552205" y="2411220"/>
+            <a:ext cx="7087589" cy="2772162"/>
+            <a:chOff x="2552205" y="2411220"/>
+            <a:chExt cx="7087589" cy="2772162"/>
+          </a:xfrm>
+        </p:grpSpPr>
+        <p:pic>
+          <p:nvPicPr>
+            <p:cNvPr id="8" name="Imagem 7">
+              <a:extLst>
+                <a:ext uri="{FF2B5EF4-FFF2-40B4-BE49-F238E27FC236}">
+                  <a16:creationId xmlns:a16="http://schemas.microsoft.com/office/drawing/2014/main" id="{4AC24063-CB39-99A7-A93B-2D238C4AFA79}"/>
+                </a:ext>
+              </a:extLst>
+            </p:cNvPr>
+            <p:cNvPicPr>
+              <a:picLocks noChangeAspect="1"/>
+            </p:cNvPicPr>
+            <p:nvPr/>
+          </p:nvPicPr>
+          <p:blipFill>
+            <a:blip r:embed="rId2"/>
+            <a:stretch>
+              <a:fillRect/>
+            </a:stretch>
+          </p:blipFill>
+          <p:spPr>
+            <a:xfrm>
+              <a:off x="2552205" y="2411220"/>
+              <a:ext cx="7087589" cy="2772162"/>
+            </a:xfrm>
+            <a:prstGeom prst="rect">
+              <a:avLst/>
+            </a:prstGeom>
+          </p:spPr>
+        </p:pic>
+        <p:pic>
+          <p:nvPicPr>
+            <p:cNvPr id="35" name="Imagem 34">
+              <a:extLst>
+                <a:ext uri="{FF2B5EF4-FFF2-40B4-BE49-F238E27FC236}">
+                  <a16:creationId xmlns:a16="http://schemas.microsoft.com/office/drawing/2014/main" id="{B0C579F8-AAA5-0279-00D2-2F63BFAA6361}"/>
+                </a:ext>
+              </a:extLst>
+            </p:cNvPr>
+            <p:cNvPicPr>
+              <a:picLocks noChangeAspect="1"/>
+            </p:cNvPicPr>
+            <p:nvPr/>
+          </p:nvPicPr>
+          <p:blipFill>
+            <a:blip r:embed="rId4"/>
+            <a:stretch>
+              <a:fillRect/>
+            </a:stretch>
+          </p:blipFill>
+          <p:spPr>
+            <a:xfrm rot="1989911">
+              <a:off x="5180889" y="3634358"/>
+              <a:ext cx="266737" cy="981212"/>
+            </a:xfrm>
+            <a:prstGeom prst="rect">
+              <a:avLst/>
+            </a:prstGeom>
+          </p:spPr>
+        </p:pic>
+      </p:grpSp>
       <p:pic>
         <p:nvPicPr>
           <p:cNvPr id="4" name="Imagem 3">
